--- a/presentation.pptx
+++ b/presentation.pptx
@@ -3927,7 +3927,7 @@
         </p:nvSpPr>
         <p:spPr>
           <a:xfrm rot="0">
-            <a:off x="3934722" y="-4422"/>
+            <a:off x="4166762" y="-4422"/>
             <a:ext cx="9954476" cy="1033122"/>
           </a:xfrm>
           <a:prstGeom prst="rect">
@@ -4078,7 +4078,7 @@
         </p:nvSpPr>
         <p:spPr>
           <a:xfrm rot="0">
-            <a:off x="3667574" y="-4422"/>
+            <a:off x="4157437" y="-4422"/>
             <a:ext cx="9973127" cy="1033122"/>
           </a:xfrm>
           <a:prstGeom prst="rect">
@@ -4191,7 +4191,7 @@
         </p:nvSpPr>
         <p:spPr>
           <a:xfrm rot="0">
-            <a:off x="4030869" y="-4422"/>
+            <a:off x="4520732" y="-4422"/>
             <a:ext cx="9246535" cy="1033122"/>
           </a:xfrm>
           <a:prstGeom prst="rect">
@@ -4323,7 +4323,7 @@
         </p:nvSpPr>
         <p:spPr>
           <a:xfrm rot="0">
-            <a:off x="6296866" y="914400"/>
+            <a:off x="6631998" y="454989"/>
             <a:ext cx="5024003" cy="1033122"/>
           </a:xfrm>
           <a:prstGeom prst="rect">

--- a/presentation.pptx
+++ b/presentation.pptx
@@ -3332,8 +3332,8 @@
         </p:nvSpPr>
         <p:spPr>
           <a:xfrm rot="0">
-            <a:off x="221216" y="3832794"/>
-            <a:ext cx="17845569" cy="2554737"/>
+            <a:off x="0" y="3832794"/>
+            <a:ext cx="18288000" cy="2554737"/>
           </a:xfrm>
           <a:prstGeom prst="rect">
             <a:avLst/>
@@ -3360,7 +3360,7 @@
                 </a:solidFill>
                 <a:latin typeface="Open Sans Light Bold"/>
               </a:rPr>
-              <a:t>Es estadisticamente influyente la cantidad de profesoras en la cantidad de estudiantes mujeres de un pregrado en la Universidad de los Andes en el primer semestre del 2021? Si la respuesta a esto es sí, qué tan influyente es comparado a otros parámetros?</a:t>
+              <a:t>Es posible predecir la cantidad de estudiantes mujeres de un pregrado en la Universidad de los Andes teniendo en cuenta como parámetro principal la cantidad de profesoras? Si esto es así, qué relación existe entre ambas cantidades?</a:t>
             </a:r>
           </a:p>
         </p:txBody>
@@ -3911,8 +3911,8 @@
         </p:blipFill>
         <p:spPr>
           <a:xfrm flipH="false" flipV="false" rot="0">
-            <a:off x="2035386" y="1714738"/>
-            <a:ext cx="8563291" cy="6857525"/>
+            <a:off x="1706789" y="1702998"/>
+            <a:ext cx="8566849" cy="6881003"/>
           </a:xfrm>
           <a:prstGeom prst="rect">
             <a:avLst/>
@@ -4037,8 +4037,8 @@
         </p:blipFill>
         <p:spPr>
           <a:xfrm flipH="false" flipV="false" rot="0">
-            <a:off x="1454876" y="1368983"/>
-            <a:ext cx="9355478" cy="7549034"/>
+            <a:off x="11444627" y="4369286"/>
+            <a:ext cx="4645282" cy="1548427"/>
           </a:xfrm>
           <a:prstGeom prst="rect">
             <a:avLst/>
@@ -4062,8 +4062,8 @@
         </p:blipFill>
         <p:spPr>
           <a:xfrm flipH="false" flipV="false" rot="0">
-            <a:off x="11866529" y="2234261"/>
-            <a:ext cx="4775900" cy="5223082"/>
+            <a:off x="2086033" y="2001541"/>
+            <a:ext cx="8200513" cy="6283918"/>
           </a:xfrm>
           <a:prstGeom prst="rect">
             <a:avLst/>
@@ -4078,8 +4078,8 @@
         </p:nvSpPr>
         <p:spPr>
           <a:xfrm rot="0">
-            <a:off x="4157437" y="-4422"/>
-            <a:ext cx="9973127" cy="1033122"/>
+            <a:off x="4520732" y="-4422"/>
+            <a:ext cx="9246535" cy="1033122"/>
           </a:xfrm>
           <a:prstGeom prst="rect">
             <a:avLst/>
@@ -4103,7 +4103,7 @@
                 </a:solidFill>
                 <a:latin typeface="Open Sans Bold"/>
               </a:rPr>
-              <a:t>Relevancia de parametros</a:t>
+              <a:t>Predicciones del Modelo</a:t>
             </a:r>
           </a:p>
         </p:txBody>
@@ -4150,8 +4150,8 @@
         </p:blipFill>
         <p:spPr>
           <a:xfrm flipH="false" flipV="false" rot="0">
-            <a:off x="1624742" y="1715484"/>
-            <a:ext cx="8639292" cy="6856032"/>
+            <a:off x="1454876" y="1368983"/>
+            <a:ext cx="9355478" cy="7549034"/>
           </a:xfrm>
           <a:prstGeom prst="rect">
             <a:avLst/>
@@ -4175,8 +4175,8 @@
         </p:blipFill>
         <p:spPr>
           <a:xfrm flipH="false" flipV="false" rot="0">
-            <a:off x="11239365" y="4526725"/>
-            <a:ext cx="4076080" cy="1233550"/>
+            <a:off x="11609021" y="2573091"/>
+            <a:ext cx="5043085" cy="5140819"/>
           </a:xfrm>
           <a:prstGeom prst="rect">
             <a:avLst/>
@@ -4191,8 +4191,8 @@
         </p:nvSpPr>
         <p:spPr>
           <a:xfrm rot="0">
-            <a:off x="4520732" y="-4422"/>
-            <a:ext cx="9246535" cy="1033122"/>
+            <a:off x="4157437" y="-4422"/>
+            <a:ext cx="9973127" cy="1033122"/>
           </a:xfrm>
           <a:prstGeom prst="rect">
             <a:avLst/>
@@ -4216,7 +4216,7 @@
                 </a:solidFill>
                 <a:latin typeface="Open Sans Bold"/>
               </a:rPr>
-              <a:t>Predicciones del Modelo</a:t>
+              <a:t>Relevancia de parametros</a:t>
             </a:r>
           </a:p>
         </p:txBody>
@@ -4386,7 +4386,7 @@
                 </a:solidFill>
                 <a:latin typeface="Open Sans Light"/>
               </a:rPr>
-              <a:t>Se obtuvo un modelo para predecir la cantidad de estudiantes mujeres que van a estar en un semestre determinado dado un número de profesoras.</a:t>
+              <a:t>Se obtuvo un modelo satisfactorio que logra predecir la cantidad de estudiantes mujeres que van a estar en un semestre determinado dado un número de profesoras.</a:t>
             </a:r>
           </a:p>
         </p:txBody>
@@ -4469,7 +4469,7 @@
         <p:spPr>
           <a:xfrm rot="0">
             <a:off x="1150379" y="5289098"/>
-            <a:ext cx="17137621" cy="2977247"/>
+            <a:ext cx="16108921" cy="3729722"/>
           </a:xfrm>
           <a:prstGeom prst="rect">
             <a:avLst/>
@@ -4493,7 +4493,7 @@
                 </a:solidFill>
                 <a:latin typeface="Open Sans Light"/>
               </a:rPr>
-              <a:t>La cantidad de profesoras sí es estadísticamente influyente en la cantidad de estudiantes mujeres para el semestre 2021-1 en la Universidad de los Andes. Además, este factor es el de mayor importancia con respecto a los demás parámetros del modelo.   </a:t>
+              <a:t>La cantidad de profesoras sí es estadísticamente influyente en la cantidad de estudiantes mujeres para el semestre 2021-1 en la Universidad de los Andes. Además, este factor es el de mayor importancia con respecto a los demás parámetros del modelo, esto es, es el parámetro principal del mismo.   </a:t>
             </a:r>
           </a:p>
         </p:txBody>
